--- a/doc/report/report.pptx
+++ b/doc/report/report.pptx
@@ -9,16 +9,18 @@
     <p:sldId id="257" r:id="rId3"/>
     <p:sldId id="262" r:id="rId4"/>
     <p:sldId id="259" r:id="rId5"/>
-    <p:sldId id="260" r:id="rId6"/>
-    <p:sldId id="265" r:id="rId7"/>
-    <p:sldId id="261" r:id="rId8"/>
-    <p:sldId id="264" r:id="rId9"/>
-    <p:sldId id="269" r:id="rId10"/>
-    <p:sldId id="270" r:id="rId11"/>
-    <p:sldId id="268" r:id="rId12"/>
-    <p:sldId id="271" r:id="rId13"/>
-    <p:sldId id="266" r:id="rId14"/>
-    <p:sldId id="267" r:id="rId15"/>
+    <p:sldId id="272" r:id="rId6"/>
+    <p:sldId id="260" r:id="rId7"/>
+    <p:sldId id="265" r:id="rId8"/>
+    <p:sldId id="261" r:id="rId9"/>
+    <p:sldId id="264" r:id="rId10"/>
+    <p:sldId id="269" r:id="rId11"/>
+    <p:sldId id="270" r:id="rId12"/>
+    <p:sldId id="268" r:id="rId13"/>
+    <p:sldId id="271" r:id="rId14"/>
+    <p:sldId id="266" r:id="rId15"/>
+    <p:sldId id="273" r:id="rId16"/>
+    <p:sldId id="267" r:id="rId17"/>
   </p:sldIdLst>
   <p:sldSz cx="12192000" cy="6858000"/>
   <p:notesSz cx="6858000" cy="9144000"/>
@@ -8918,7 +8920,7 @@
           <a:p>
             <a:fld id="{6AD6EE87-EBD5-4F12-A48A-63ACA297AC8F}" type="datetimeFigureOut">
               <a:rPr lang="en-US" dirty="0"/>
-              <a:t>1/3/2020</a:t>
+              <a:t>1/4/2020</a:t>
             </a:fld>
             <a:endParaRPr lang="en-US" dirty="0"/>
           </a:p>
@@ -9120,7 +9122,7 @@
           <a:p>
             <a:fld id="{4CD73815-2707-4475-8F1A-B873CB631BB4}" type="datetimeFigureOut">
               <a:rPr lang="en-US" dirty="0"/>
-              <a:t>1/3/2020</a:t>
+              <a:t>1/4/2020</a:t>
             </a:fld>
             <a:endParaRPr lang="en-US" dirty="0"/>
           </a:p>
@@ -9295,7 +9297,7 @@
           <a:p>
             <a:fld id="{2A4AFB99-0EAB-4182-AFF8-E214C82A68F6}" type="datetimeFigureOut">
               <a:rPr lang="en-US" dirty="0"/>
-              <a:t>1/3/2020</a:t>
+              <a:t>1/4/2020</a:t>
             </a:fld>
             <a:endParaRPr lang="en-US" dirty="0"/>
           </a:p>
@@ -9495,7 +9497,7 @@
           <a:p>
             <a:fld id="{A5D3794B-289A-4A80-97D7-111025398D45}" type="datetimeFigureOut">
               <a:rPr lang="en-US" dirty="0"/>
-              <a:t>1/3/2020</a:t>
+              <a:t>1/4/2020</a:t>
             </a:fld>
             <a:endParaRPr lang="en-US" dirty="0"/>
           </a:p>
@@ -18388,7 +18390,7 @@
           <a:p>
             <a:fld id="{5A61015F-7CC6-4D0A-9D87-873EA4C304CC}" type="datetimeFigureOut">
               <a:rPr lang="en-US" dirty="0"/>
-              <a:t>1/3/2020</a:t>
+              <a:t>1/4/2020</a:t>
             </a:fld>
             <a:endParaRPr lang="en-US" dirty="0"/>
           </a:p>
@@ -18657,7 +18659,7 @@
           <a:p>
             <a:fld id="{93C6A301-0538-44EC-B09D-202E1042A48B}" type="datetimeFigureOut">
               <a:rPr lang="en-US" dirty="0"/>
-              <a:t>1/3/2020</a:t>
+              <a:t>1/4/2020</a:t>
             </a:fld>
             <a:endParaRPr lang="en-US" dirty="0"/>
           </a:p>
@@ -19050,7 +19052,7 @@
           <a:p>
             <a:fld id="{D789574A-8875-45EF-8EA2-3CAA0F7ABC4C}" type="datetimeFigureOut">
               <a:rPr lang="en-US" dirty="0"/>
-              <a:t>1/3/2020</a:t>
+              <a:t>1/4/2020</a:t>
             </a:fld>
             <a:endParaRPr lang="en-US" dirty="0"/>
           </a:p>
@@ -19163,7 +19165,7 @@
           <a:p>
             <a:fld id="{67EF4D4C-5367-4C26-9E2B-D8088D7FCA81}" type="datetimeFigureOut">
               <a:rPr lang="en-US" dirty="0"/>
-              <a:t>1/3/2020</a:t>
+              <a:t>1/4/2020</a:t>
             </a:fld>
             <a:endParaRPr lang="en-US" dirty="0"/>
           </a:p>
@@ -19253,7 +19255,7 @@
           <a:p>
             <a:fld id="{56E91E96-98B0-4413-9547-46F3504108EF}" type="datetimeFigureOut">
               <a:rPr lang="en-US" dirty="0"/>
-              <a:t>1/3/2020</a:t>
+              <a:t>1/4/2020</a:t>
             </a:fld>
             <a:endParaRPr lang="en-US" dirty="0"/>
           </a:p>
@@ -19538,7 +19540,7 @@
           <a:p>
             <a:fld id="{05C68B11-C5A8-448C-8CE9-B1A273C79CFC}" type="datetimeFigureOut">
               <a:rPr lang="en-US" dirty="0"/>
-              <a:t>1/3/2020</a:t>
+              <a:t>1/4/2020</a:t>
             </a:fld>
             <a:endParaRPr lang="en-US" dirty="0"/>
           </a:p>
@@ -19813,7 +19815,7 @@
           <a:p>
             <a:fld id="{C7616CA0-919D-4A49-9C8A-62FDFB3A5183}" type="datetimeFigureOut">
               <a:rPr lang="en-US" dirty="0"/>
-              <a:t>1/3/2020</a:t>
+              <a:t>1/4/2020</a:t>
             </a:fld>
             <a:endParaRPr lang="en-US" dirty="0"/>
           </a:p>
@@ -20059,7 +20061,7 @@
             <a:fld id="{90298CD5-6C1E-4009-B41F-6DF62E31D3BE}" type="datetimeFigureOut">
               <a:rPr lang="en-US" dirty="0"/>
               <a:pPr/>
-              <a:t>1/3/2020</a:t>
+              <a:t>1/4/2020</a:t>
             </a:fld>
             <a:endParaRPr lang="en-US" dirty="0"/>
           </a:p>
@@ -20672,6 +20674,608 @@
           <p:cNvPr id="2" name="标题 1">
             <a:extLst>
               <a:ext uri="{FF2B5EF4-FFF2-40B4-BE49-F238E27FC236}">
+                <a16:creationId xmlns:a16="http://schemas.microsoft.com/office/drawing/2014/main" id="{077456EE-4597-4B5E-B787-D8C883722F6F}"/>
+              </a:ext>
+            </a:extLst>
+          </p:cNvPr>
+          <p:cNvSpPr>
+            <a:spLocks noGrp="1"/>
+          </p:cNvSpPr>
+          <p:nvPr>
+            <p:ph type="title"/>
+          </p:nvPr>
+        </p:nvSpPr>
+        <p:spPr/>
+        <p:txBody>
+          <a:bodyPr/>
+          <a:lstStyle/>
+          <a:p>
+            <a:r>
+              <a:rPr lang="en-US" altLang="zh-CN" cap="none" dirty="0">
+                <a:latin typeface="Consolas" panose="020B0609020204030204" pitchFamily="49" charset="0"/>
+              </a:rPr>
+              <a:t>Small</a:t>
+            </a:r>
+            <a:r>
+              <a:rPr lang="zh-CN" altLang="en-US" cap="none" dirty="0">
+                <a:latin typeface="Consolas" panose="020B0609020204030204" pitchFamily="49" charset="0"/>
+              </a:rPr>
+              <a:t> </a:t>
+            </a:r>
+            <a:r>
+              <a:rPr lang="en-US" altLang="zh-CN" cap="none" dirty="0">
+                <a:latin typeface="Consolas" panose="020B0609020204030204" pitchFamily="49" charset="0"/>
+              </a:rPr>
+              <a:t>cache</a:t>
+            </a:r>
+            <a:endParaRPr lang="zh-CN" altLang="en-US" cap="none" dirty="0">
+              <a:latin typeface="Consolas" panose="020B0609020204030204" pitchFamily="49" charset="0"/>
+            </a:endParaRPr>
+          </a:p>
+        </p:txBody>
+      </p:sp>
+      <p:sp>
+        <p:nvSpPr>
+          <p:cNvPr id="8" name="内容占位符 7">
+            <a:extLst>
+              <a:ext uri="{FF2B5EF4-FFF2-40B4-BE49-F238E27FC236}">
+                <a16:creationId xmlns:a16="http://schemas.microsoft.com/office/drawing/2014/main" id="{EF4C8676-D72E-4953-BF21-667892B494D0}"/>
+              </a:ext>
+            </a:extLst>
+          </p:cNvPr>
+          <p:cNvSpPr>
+            <a:spLocks noGrp="1"/>
+          </p:cNvSpPr>
+          <p:nvPr>
+            <p:ph idx="1"/>
+          </p:nvPr>
+        </p:nvSpPr>
+        <p:spPr>
+          <a:xfrm>
+            <a:off x="1024128" y="2819041"/>
+            <a:ext cx="2956201" cy="1499617"/>
+          </a:xfrm>
+          <a:ln>
+            <a:solidFill>
+              <a:schemeClr val="bg1"/>
+            </a:solidFill>
+          </a:ln>
+        </p:spPr>
+        <p:txBody>
+          <a:bodyPr>
+            <a:normAutofit/>
+          </a:bodyPr>
+          <a:lstStyle/>
+          <a:p>
+            <a:r>
+              <a:rPr lang="en-US" altLang="zh-CN" dirty="0">
+                <a:latin typeface="Consolas" panose="020B0609020204030204" pitchFamily="49" charset="0"/>
+              </a:rPr>
+              <a:t>Cache : </a:t>
+            </a:r>
+            <a:r>
+              <a:rPr lang="en-US" altLang="zh-CN" dirty="0">
+                <a:solidFill>
+                  <a:srgbClr val="00B0F0"/>
+                </a:solidFill>
+                <a:latin typeface="Consolas" panose="020B0609020204030204" pitchFamily="49" charset="0"/>
+              </a:rPr>
+              <a:t>4K</a:t>
+            </a:r>
+            <a:endParaRPr lang="en-US" altLang="zh-CN" dirty="0">
+              <a:latin typeface="Consolas" panose="020B0609020204030204" pitchFamily="49" charset="0"/>
+            </a:endParaRPr>
+          </a:p>
+          <a:p>
+            <a:r>
+              <a:rPr lang="en-US" altLang="zh-CN" dirty="0">
+                <a:latin typeface="Consolas" panose="020B0609020204030204" pitchFamily="49" charset="0"/>
+              </a:rPr>
+              <a:t>LUT : </a:t>
+            </a:r>
+            <a:r>
+              <a:rPr lang="en-US" altLang="zh-CN" dirty="0">
+                <a:solidFill>
+                  <a:srgbClr val="FFC000"/>
+                </a:solidFill>
+                <a:latin typeface="Consolas" panose="020B0609020204030204" pitchFamily="49" charset="0"/>
+              </a:rPr>
+              <a:t>89%</a:t>
+            </a:r>
+          </a:p>
+          <a:p>
+            <a:r>
+              <a:rPr lang="en-US" altLang="zh-CN" dirty="0">
+                <a:latin typeface="Consolas" panose="020B0609020204030204" pitchFamily="49" charset="0"/>
+              </a:rPr>
+              <a:t>WNS : </a:t>
+            </a:r>
+            <a:r>
+              <a:rPr lang="en-US" altLang="zh-CN" dirty="0">
+                <a:solidFill>
+                  <a:srgbClr val="FF0000"/>
+                </a:solidFill>
+                <a:latin typeface="Consolas" panose="020B0609020204030204" pitchFamily="49" charset="0"/>
+              </a:rPr>
+              <a:t>-0.9ns</a:t>
+            </a:r>
+          </a:p>
+        </p:txBody>
+      </p:sp>
+      <p:sp>
+        <p:nvSpPr>
+          <p:cNvPr id="11" name="内容占位符 7">
+            <a:extLst>
+              <a:ext uri="{FF2B5EF4-FFF2-40B4-BE49-F238E27FC236}">
+                <a16:creationId xmlns:a16="http://schemas.microsoft.com/office/drawing/2014/main" id="{49A56AE2-1C80-4463-919B-784A24849141}"/>
+              </a:ext>
+            </a:extLst>
+          </p:cNvPr>
+          <p:cNvSpPr txBox="1">
+            <a:spLocks/>
+          </p:cNvSpPr>
+          <p:nvPr/>
+        </p:nvSpPr>
+        <p:spPr>
+          <a:xfrm>
+            <a:off x="6630655" y="2819041"/>
+            <a:ext cx="3599867" cy="1817505"/>
+          </a:xfrm>
+          <a:prstGeom prst="rect">
+            <a:avLst/>
+          </a:prstGeom>
+          <a:ln>
+            <a:solidFill>
+              <a:schemeClr val="bg1"/>
+            </a:solidFill>
+          </a:ln>
+        </p:spPr>
+        <p:txBody>
+          <a:bodyPr vert="horz" lIns="45720" tIns="45720" rIns="45720" bIns="45720" rtlCol="0">
+            <a:normAutofit/>
+          </a:bodyPr>
+          <a:lstStyle>
+            <a:lvl1pPr marL="91440" indent="-91440" algn="l" defTabSz="914400" rtl="0" eaLnBrk="1" latinLnBrk="0" hangingPunct="1">
+              <a:lnSpc>
+                <a:spcPct val="90000"/>
+              </a:lnSpc>
+              <a:spcBef>
+                <a:spcPts val="1200"/>
+              </a:spcBef>
+              <a:spcAft>
+                <a:spcPts val="200"/>
+              </a:spcAft>
+              <a:buClr>
+                <a:schemeClr val="accent1"/>
+              </a:buClr>
+              <a:buSzPct val="100000"/>
+              <a:buFont typeface="Tw Cen MT" panose="020B0602020104020603" pitchFamily="34" charset="0"/>
+              <a:buChar char=" "/>
+              <a:defRPr sz="2200" kern="1200">
+                <a:solidFill>
+                  <a:schemeClr val="tx1"/>
+                </a:solidFill>
+                <a:latin typeface="+mn-lt"/>
+                <a:ea typeface="+mn-ea"/>
+                <a:cs typeface="+mn-cs"/>
+              </a:defRPr>
+            </a:lvl1pPr>
+            <a:lvl2pPr marL="265176" indent="-137160" algn="l" defTabSz="914400" rtl="0" eaLnBrk="1" latinLnBrk="0" hangingPunct="1">
+              <a:lnSpc>
+                <a:spcPct val="90000"/>
+              </a:lnSpc>
+              <a:spcBef>
+                <a:spcPts val="200"/>
+              </a:spcBef>
+              <a:spcAft>
+                <a:spcPts val="400"/>
+              </a:spcAft>
+              <a:buClr>
+                <a:schemeClr val="accent1"/>
+              </a:buClr>
+              <a:buFont typeface="Wingdings 3" pitchFamily="18" charset="2"/>
+              <a:buChar char=""/>
+              <a:defRPr sz="1800" kern="1200">
+                <a:solidFill>
+                  <a:schemeClr val="tx1"/>
+                </a:solidFill>
+                <a:latin typeface="+mn-lt"/>
+                <a:ea typeface="+mn-ea"/>
+                <a:cs typeface="+mn-cs"/>
+              </a:defRPr>
+            </a:lvl2pPr>
+            <a:lvl3pPr marL="448056" indent="-137160" algn="l" defTabSz="914400" rtl="0" eaLnBrk="1" latinLnBrk="0" hangingPunct="1">
+              <a:lnSpc>
+                <a:spcPct val="90000"/>
+              </a:lnSpc>
+              <a:spcBef>
+                <a:spcPts val="200"/>
+              </a:spcBef>
+              <a:spcAft>
+                <a:spcPts val="400"/>
+              </a:spcAft>
+              <a:buClr>
+                <a:schemeClr val="accent1"/>
+              </a:buClr>
+              <a:buFont typeface="Wingdings 3" pitchFamily="18" charset="2"/>
+              <a:buChar char=""/>
+              <a:defRPr sz="1400" kern="1200">
+                <a:solidFill>
+                  <a:schemeClr val="tx1"/>
+                </a:solidFill>
+                <a:latin typeface="+mn-lt"/>
+                <a:ea typeface="+mn-ea"/>
+                <a:cs typeface="+mn-cs"/>
+              </a:defRPr>
+            </a:lvl3pPr>
+            <a:lvl4pPr marL="594360" indent="-137160" algn="l" defTabSz="914400" rtl="0" eaLnBrk="1" latinLnBrk="0" hangingPunct="1">
+              <a:lnSpc>
+                <a:spcPct val="90000"/>
+              </a:lnSpc>
+              <a:spcBef>
+                <a:spcPts val="200"/>
+              </a:spcBef>
+              <a:spcAft>
+                <a:spcPts val="400"/>
+              </a:spcAft>
+              <a:buClr>
+                <a:schemeClr val="accent1"/>
+              </a:buClr>
+              <a:buFont typeface="Wingdings 3" pitchFamily="18" charset="2"/>
+              <a:buChar char=""/>
+              <a:defRPr sz="1400" kern="1200">
+                <a:solidFill>
+                  <a:schemeClr val="tx1"/>
+                </a:solidFill>
+                <a:latin typeface="+mn-lt"/>
+                <a:ea typeface="+mn-ea"/>
+                <a:cs typeface="+mn-cs"/>
+              </a:defRPr>
+            </a:lvl4pPr>
+            <a:lvl5pPr marL="777240" indent="-137160" algn="l" defTabSz="914400" rtl="0" eaLnBrk="1" latinLnBrk="0" hangingPunct="1">
+              <a:lnSpc>
+                <a:spcPct val="90000"/>
+              </a:lnSpc>
+              <a:spcBef>
+                <a:spcPts val="200"/>
+              </a:spcBef>
+              <a:spcAft>
+                <a:spcPts val="400"/>
+              </a:spcAft>
+              <a:buClr>
+                <a:schemeClr val="accent1"/>
+              </a:buClr>
+              <a:buFont typeface="Wingdings 3" pitchFamily="18" charset="2"/>
+              <a:buChar char=""/>
+              <a:defRPr sz="1400" kern="1200">
+                <a:solidFill>
+                  <a:schemeClr val="tx1"/>
+                </a:solidFill>
+                <a:latin typeface="+mn-lt"/>
+                <a:ea typeface="+mn-ea"/>
+                <a:cs typeface="+mn-cs"/>
+              </a:defRPr>
+            </a:lvl5pPr>
+            <a:lvl6pPr marL="914400" indent="-137160" algn="l" defTabSz="914400" rtl="0" eaLnBrk="1" latinLnBrk="0" hangingPunct="1">
+              <a:lnSpc>
+                <a:spcPct val="90000"/>
+              </a:lnSpc>
+              <a:spcBef>
+                <a:spcPts val="200"/>
+              </a:spcBef>
+              <a:spcAft>
+                <a:spcPts val="400"/>
+              </a:spcAft>
+              <a:buClr>
+                <a:schemeClr val="accent1"/>
+              </a:buClr>
+              <a:buFont typeface="Wingdings 3" pitchFamily="18" charset="2"/>
+              <a:buChar char=""/>
+              <a:defRPr sz="1400" kern="1200">
+                <a:solidFill>
+                  <a:schemeClr val="tx1"/>
+                </a:solidFill>
+                <a:latin typeface="+mn-lt"/>
+                <a:ea typeface="+mn-ea"/>
+                <a:cs typeface="+mn-cs"/>
+              </a:defRPr>
+            </a:lvl6pPr>
+            <a:lvl7pPr marL="1060704" indent="-137160" algn="l" defTabSz="914400" rtl="0" eaLnBrk="1" latinLnBrk="0" hangingPunct="1">
+              <a:lnSpc>
+                <a:spcPct val="90000"/>
+              </a:lnSpc>
+              <a:spcBef>
+                <a:spcPts val="200"/>
+              </a:spcBef>
+              <a:spcAft>
+                <a:spcPts val="400"/>
+              </a:spcAft>
+              <a:buClr>
+                <a:schemeClr val="accent1"/>
+              </a:buClr>
+              <a:buFont typeface="Wingdings 3" pitchFamily="18" charset="2"/>
+              <a:buChar char=""/>
+              <a:defRPr sz="1400" kern="1200">
+                <a:solidFill>
+                  <a:schemeClr val="tx1"/>
+                </a:solidFill>
+                <a:latin typeface="+mn-lt"/>
+                <a:ea typeface="+mn-ea"/>
+                <a:cs typeface="+mn-cs"/>
+              </a:defRPr>
+            </a:lvl7pPr>
+            <a:lvl8pPr marL="1216152" indent="-137160" algn="l" defTabSz="914400" rtl="0" eaLnBrk="1" latinLnBrk="0" hangingPunct="1">
+              <a:lnSpc>
+                <a:spcPct val="90000"/>
+              </a:lnSpc>
+              <a:spcBef>
+                <a:spcPts val="200"/>
+              </a:spcBef>
+              <a:spcAft>
+                <a:spcPts val="400"/>
+              </a:spcAft>
+              <a:buClr>
+                <a:schemeClr val="accent1"/>
+              </a:buClr>
+              <a:buFont typeface="Wingdings 3" pitchFamily="18" charset="2"/>
+              <a:buChar char=""/>
+              <a:defRPr sz="1400" kern="1200">
+                <a:solidFill>
+                  <a:schemeClr val="tx1"/>
+                </a:solidFill>
+                <a:latin typeface="+mn-lt"/>
+                <a:ea typeface="+mn-ea"/>
+                <a:cs typeface="+mn-cs"/>
+              </a:defRPr>
+            </a:lvl8pPr>
+            <a:lvl9pPr marL="1362456" indent="-137160" algn="l" defTabSz="914400" rtl="0" eaLnBrk="1" latinLnBrk="0" hangingPunct="1">
+              <a:lnSpc>
+                <a:spcPct val="90000"/>
+              </a:lnSpc>
+              <a:spcBef>
+                <a:spcPts val="200"/>
+              </a:spcBef>
+              <a:spcAft>
+                <a:spcPts val="400"/>
+              </a:spcAft>
+              <a:buClr>
+                <a:schemeClr val="accent1"/>
+              </a:buClr>
+              <a:buFont typeface="Wingdings 3" pitchFamily="18" charset="2"/>
+              <a:buChar char=""/>
+              <a:defRPr sz="1400" kern="1200">
+                <a:solidFill>
+                  <a:schemeClr val="tx1"/>
+                </a:solidFill>
+                <a:latin typeface="+mn-lt"/>
+                <a:ea typeface="+mn-ea"/>
+                <a:cs typeface="+mn-cs"/>
+              </a:defRPr>
+            </a:lvl9pPr>
+          </a:lstStyle>
+          <a:p>
+            <a:r>
+              <a:rPr lang="en-US" altLang="zh-CN" dirty="0">
+                <a:latin typeface="Consolas" panose="020B0609020204030204" pitchFamily="49" charset="0"/>
+              </a:rPr>
+              <a:t>Cache : </a:t>
+            </a:r>
+            <a:r>
+              <a:rPr lang="en-US" altLang="zh-CN" dirty="0">
+                <a:solidFill>
+                  <a:srgbClr val="00B0F0"/>
+                </a:solidFill>
+                <a:latin typeface="Consolas" panose="020B0609020204030204" pitchFamily="49" charset="0"/>
+              </a:rPr>
+              <a:t>512B</a:t>
+            </a:r>
+            <a:endParaRPr lang="en-US" altLang="zh-CN" dirty="0">
+              <a:latin typeface="Consolas" panose="020B0609020204030204" pitchFamily="49" charset="0"/>
+            </a:endParaRPr>
+          </a:p>
+          <a:p>
+            <a:r>
+              <a:rPr lang="en-US" altLang="zh-CN" dirty="0">
+                <a:latin typeface="Consolas" panose="020B0609020204030204" pitchFamily="49" charset="0"/>
+              </a:rPr>
+              <a:t>LUT : </a:t>
+            </a:r>
+            <a:r>
+              <a:rPr lang="en-US" altLang="zh-CN" dirty="0">
+                <a:solidFill>
+                  <a:srgbClr val="FFC000"/>
+                </a:solidFill>
+                <a:latin typeface="Consolas" panose="020B0609020204030204" pitchFamily="49" charset="0"/>
+              </a:rPr>
+              <a:t>34%</a:t>
+            </a:r>
+          </a:p>
+          <a:p>
+            <a:r>
+              <a:rPr lang="en-US" altLang="zh-CN" dirty="0">
+                <a:latin typeface="Consolas" panose="020B0609020204030204" pitchFamily="49" charset="0"/>
+              </a:rPr>
+              <a:t>WNS : </a:t>
+            </a:r>
+            <a:r>
+              <a:rPr lang="en-US" altLang="zh-CN" dirty="0">
+                <a:solidFill>
+                  <a:srgbClr val="FF0000"/>
+                </a:solidFill>
+                <a:latin typeface="Consolas" panose="020B0609020204030204" pitchFamily="49" charset="0"/>
+              </a:rPr>
+              <a:t>-0.2ns</a:t>
+            </a:r>
+          </a:p>
+        </p:txBody>
+      </p:sp>
+      <p:sp>
+        <p:nvSpPr>
+          <p:cNvPr id="12" name="箭头: 右 11">
+            <a:extLst>
+              <a:ext uri="{FF2B5EF4-FFF2-40B4-BE49-F238E27FC236}">
+                <a16:creationId xmlns:a16="http://schemas.microsoft.com/office/drawing/2014/main" id="{4B57977C-7FEC-4A20-A9F4-8ABE50BC9E50}"/>
+              </a:ext>
+            </a:extLst>
+          </p:cNvPr>
+          <p:cNvSpPr/>
+          <p:nvPr/>
+        </p:nvSpPr>
+        <p:spPr>
+          <a:xfrm>
+            <a:off x="4381679" y="3030967"/>
+            <a:ext cx="1502485" cy="796066"/>
+          </a:xfrm>
+          <a:prstGeom prst="rightArrow">
+            <a:avLst/>
+          </a:prstGeom>
+        </p:spPr>
+        <p:style>
+          <a:lnRef idx="2">
+            <a:schemeClr val="accent1">
+              <a:shade val="50000"/>
+            </a:schemeClr>
+          </a:lnRef>
+          <a:fillRef idx="1">
+            <a:schemeClr val="accent1"/>
+          </a:fillRef>
+          <a:effectRef idx="0">
+            <a:schemeClr val="accent1"/>
+          </a:effectRef>
+          <a:fontRef idx="minor">
+            <a:schemeClr val="lt1"/>
+          </a:fontRef>
+        </p:style>
+        <p:txBody>
+          <a:bodyPr rtlCol="0" anchor="ctr"/>
+          <a:lstStyle/>
+          <a:p>
+            <a:pPr algn="ctr"/>
+            <a:endParaRPr lang="zh-CN" altLang="en-US"/>
+          </a:p>
+        </p:txBody>
+      </p:sp>
+    </p:spTree>
+    <p:extLst>
+      <p:ext uri="{BB962C8B-B14F-4D97-AF65-F5344CB8AC3E}">
+        <p14:creationId xmlns:p14="http://schemas.microsoft.com/office/powerpoint/2010/main" val="1876533091"/>
+      </p:ext>
+    </p:extLst>
+  </p:cSld>
+  <p:clrMapOvr>
+    <a:masterClrMapping/>
+  </p:clrMapOvr>
+  <p:timing>
+    <p:tnLst>
+      <p:par>
+        <p:cTn id="1" dur="indefinite" restart="never" nodeType="tmRoot">
+          <p:childTnLst>
+            <p:seq concurrent="1" nextAc="seek">
+              <p:cTn id="2" dur="indefinite" nodeType="mainSeq">
+                <p:childTnLst>
+                  <p:par>
+                    <p:cTn id="3" fill="hold">
+                      <p:stCondLst>
+                        <p:cond delay="indefinite"/>
+                      </p:stCondLst>
+                      <p:childTnLst>
+                        <p:par>
+                          <p:cTn id="4" fill="hold">
+                            <p:stCondLst>
+                              <p:cond delay="0"/>
+                            </p:stCondLst>
+                            <p:childTnLst>
+                              <p:par>
+                                <p:cTn id="5" presetID="10" presetClass="entr" presetSubtype="0" fill="hold" grpId="0" nodeType="clickEffect">
+                                  <p:stCondLst>
+                                    <p:cond delay="0"/>
+                                  </p:stCondLst>
+                                  <p:childTnLst>
+                                    <p:set>
+                                      <p:cBhvr>
+                                        <p:cTn id="6" dur="1" fill="hold">
+                                          <p:stCondLst>
+                                            <p:cond delay="0"/>
+                                          </p:stCondLst>
+                                        </p:cTn>
+                                        <p:tgtEl>
+                                          <p:spTgt spid="11"/>
+                                        </p:tgtEl>
+                                        <p:attrNameLst>
+                                          <p:attrName>style.visibility</p:attrName>
+                                        </p:attrNameLst>
+                                      </p:cBhvr>
+                                      <p:to>
+                                        <p:strVal val="visible"/>
+                                      </p:to>
+                                    </p:set>
+                                    <p:animEffect transition="in" filter="fade">
+                                      <p:cBhvr>
+                                        <p:cTn id="7" dur="500"/>
+                                        <p:tgtEl>
+                                          <p:spTgt spid="11"/>
+                                        </p:tgtEl>
+                                      </p:cBhvr>
+                                    </p:animEffect>
+                                  </p:childTnLst>
+                                </p:cTn>
+                              </p:par>
+                            </p:childTnLst>
+                          </p:cTn>
+                        </p:par>
+                      </p:childTnLst>
+                    </p:cTn>
+                  </p:par>
+                </p:childTnLst>
+              </p:cTn>
+              <p:prevCondLst>
+                <p:cond evt="onPrev" delay="0">
+                  <p:tgtEl>
+                    <p:sldTgt/>
+                  </p:tgtEl>
+                </p:cond>
+              </p:prevCondLst>
+              <p:nextCondLst>
+                <p:cond evt="onNext" delay="0">
+                  <p:tgtEl>
+                    <p:sldTgt/>
+                  </p:tgtEl>
+                </p:cond>
+              </p:nextCondLst>
+            </p:seq>
+          </p:childTnLst>
+        </p:cTn>
+      </p:par>
+    </p:tnLst>
+    <p:bldLst>
+      <p:bldP spid="11" grpId="0" animBg="1"/>
+    </p:bldLst>
+  </p:timing>
+</p:sld>
+</file>
+
+<file path=ppt/slides/slide11.xml><?xml version="1.0" encoding="utf-8"?>
+<p:sld xmlns:a="http://schemas.openxmlformats.org/drawingml/2006/main" xmlns:r="http://schemas.openxmlformats.org/officeDocument/2006/relationships" xmlns:p="http://schemas.openxmlformats.org/presentationml/2006/main">
+  <p:cSld>
+    <p:spTree>
+      <p:nvGrpSpPr>
+        <p:cNvPr id="1" name=""/>
+        <p:cNvGrpSpPr/>
+        <p:nvPr/>
+      </p:nvGrpSpPr>
+      <p:grpSpPr>
+        <a:xfrm>
+          <a:off x="0" y="0"/>
+          <a:ext cx="0" cy="0"/>
+          <a:chOff x="0" y="0"/>
+          <a:chExt cx="0" cy="0"/>
+        </a:xfrm>
+      </p:grpSpPr>
+      <p:sp>
+        <p:nvSpPr>
+          <p:cNvPr id="2" name="标题 1">
+            <a:extLst>
+              <a:ext uri="{FF2B5EF4-FFF2-40B4-BE49-F238E27FC236}">
                 <a16:creationId xmlns:a16="http://schemas.microsoft.com/office/drawing/2014/main" id="{D1773EF4-275C-4319-85C7-B61BB956F9EB}"/>
               </a:ext>
             </a:extLst>
@@ -20838,13 +21442,13 @@
   <p:clrMapOvr>
     <a:masterClrMapping/>
   </p:clrMapOvr>
-  <mc:AlternateContent xmlns:mc="http://schemas.openxmlformats.org/markup-compatibility/2006">
-    <mc:Choice xmlns:p14="http://schemas.microsoft.com/office/powerpoint/2010/main" Requires="p14">
+  <mc:AlternateContent xmlns:mc="http://schemas.openxmlformats.org/markup-compatibility/2006" xmlns:p14="http://schemas.microsoft.com/office/powerpoint/2010/main">
+    <mc:Choice Requires="p14">
       <p:transition spd="med" p14:dur="700">
         <p:fade/>
       </p:transition>
     </mc:Choice>
-    <mc:Fallback>
+    <mc:Fallback xmlns="">
       <p:transition spd="med">
         <p:fade/>
       </p:transition>
@@ -20939,7 +21543,7 @@
 </p:sld>
 </file>
 
-<file path=ppt/slides/slide11.xml><?xml version="1.0" encoding="utf-8"?>
+<file path=ppt/slides/slide12.xml><?xml version="1.0" encoding="utf-8"?>
 <p:sld xmlns:a="http://schemas.openxmlformats.org/drawingml/2006/main" xmlns:r="http://schemas.openxmlformats.org/officeDocument/2006/relationships" xmlns:p="http://schemas.openxmlformats.org/presentationml/2006/main">
   <p:cSld>
     <p:spTree>
@@ -21154,7 +21758,7 @@
 </p:sld>
 </file>
 
-<file path=ppt/slides/slide12.xml><?xml version="1.0" encoding="utf-8"?>
+<file path=ppt/slides/slide13.xml><?xml version="1.0" encoding="utf-8"?>
 <p:sld xmlns:a="http://schemas.openxmlformats.org/drawingml/2006/main" xmlns:r="http://schemas.openxmlformats.org/officeDocument/2006/relationships" xmlns:p="http://schemas.openxmlformats.org/presentationml/2006/main">
   <p:cSld>
     <p:spTree>
@@ -21247,7 +21851,31 @@
               <a:rPr lang="en-US" altLang="zh-CN" dirty="0">
                 <a:latin typeface="Consolas" panose="020B0609020204030204" pitchFamily="49" charset="0"/>
               </a:rPr>
-              <a:t> multithreading</a:t>
+              <a:t> multithreading </a:t>
+            </a:r>
+          </a:p>
+          <a:p>
+            <a:pPr>
+              <a:buFont typeface="Wingdings" panose="05000000000000000000" pitchFamily="2" charset="2"/>
+              <a:buChar char="l"/>
+            </a:pPr>
+            <a:r>
+              <a:rPr lang="en-US" altLang="zh-CN" dirty="0">
+                <a:latin typeface="Consolas" panose="020B0609020204030204" pitchFamily="49" charset="0"/>
+              </a:rPr>
+              <a:t> </a:t>
+            </a:r>
+            <a:r>
+              <a:rPr lang="en-US" altLang="zh-CN" dirty="0" err="1">
+                <a:latin typeface="Consolas" panose="020B0609020204030204" pitchFamily="49" charset="0"/>
+              </a:rPr>
+              <a:t>os</a:t>
+            </a:r>
+            <a:r>
+              <a:rPr lang="en-US" altLang="zh-CN" dirty="0">
+                <a:latin typeface="Consolas" panose="020B0609020204030204" pitchFamily="49" charset="0"/>
+              </a:rPr>
+              <a:t> ????</a:t>
             </a:r>
             <a:endParaRPr lang="zh-CN" altLang="en-US" dirty="0">
               <a:latin typeface="Consolas" panose="020B0609020204030204" pitchFamily="49" charset="0"/>
@@ -21268,7 +21896,7 @@
 </p:sld>
 </file>
 
-<file path=ppt/slides/slide13.xml><?xml version="1.0" encoding="utf-8"?>
+<file path=ppt/slides/slide14.xml><?xml version="1.0" encoding="utf-8"?>
 <p:sld xmlns:a="http://schemas.openxmlformats.org/drawingml/2006/main" xmlns:r="http://schemas.openxmlformats.org/officeDocument/2006/relationships" xmlns:p="http://schemas.openxmlformats.org/presentationml/2006/main">
   <p:cSld>
     <p:spTree>
@@ -21404,7 +22032,95 @@
 </p:sld>
 </file>
 
-<file path=ppt/slides/slide14.xml><?xml version="1.0" encoding="utf-8"?>
+<file path=ppt/slides/slide15.xml><?xml version="1.0" encoding="utf-8"?>
+<p:sld xmlns:a="http://schemas.openxmlformats.org/drawingml/2006/main" xmlns:r="http://schemas.openxmlformats.org/officeDocument/2006/relationships" xmlns:p="http://schemas.openxmlformats.org/presentationml/2006/main">
+  <p:cSld>
+    <p:spTree>
+      <p:nvGrpSpPr>
+        <p:cNvPr id="1" name=""/>
+        <p:cNvGrpSpPr/>
+        <p:nvPr/>
+      </p:nvGrpSpPr>
+      <p:grpSpPr>
+        <a:xfrm>
+          <a:off x="0" y="0"/>
+          <a:ext cx="0" cy="0"/>
+          <a:chOff x="0" y="0"/>
+          <a:chExt cx="0" cy="0"/>
+        </a:xfrm>
+      </p:grpSpPr>
+      <p:sp>
+        <p:nvSpPr>
+          <p:cNvPr id="2" name="标题 1">
+            <a:extLst>
+              <a:ext uri="{FF2B5EF4-FFF2-40B4-BE49-F238E27FC236}">
+                <a16:creationId xmlns:a16="http://schemas.microsoft.com/office/drawing/2014/main" id="{AFCA0EFE-7B97-4E31-87F8-5F3946F82257}"/>
+              </a:ext>
+            </a:extLst>
+          </p:cNvPr>
+          <p:cNvSpPr>
+            <a:spLocks noGrp="1"/>
+          </p:cNvSpPr>
+          <p:nvPr>
+            <p:ph type="title"/>
+          </p:nvPr>
+        </p:nvSpPr>
+        <p:spPr/>
+        <p:txBody>
+          <a:bodyPr/>
+          <a:lstStyle/>
+          <a:p>
+            <a:r>
+              <a:rPr lang="en-US" altLang="zh-CN" cap="none" dirty="0">
+                <a:latin typeface="Consolas" panose="020B0609020204030204" pitchFamily="49" charset="0"/>
+              </a:rPr>
+              <a:t>Meaning</a:t>
+            </a:r>
+            <a:endParaRPr lang="zh-CN" altLang="en-US" cap="none" dirty="0">
+              <a:latin typeface="Consolas" panose="020B0609020204030204" pitchFamily="49" charset="0"/>
+            </a:endParaRPr>
+          </a:p>
+        </p:txBody>
+      </p:sp>
+      <p:sp>
+        <p:nvSpPr>
+          <p:cNvPr id="3" name="内容占位符 2">
+            <a:extLst>
+              <a:ext uri="{FF2B5EF4-FFF2-40B4-BE49-F238E27FC236}">
+                <a16:creationId xmlns:a16="http://schemas.microsoft.com/office/drawing/2014/main" id="{1CBC0AD1-83FE-4873-9820-9C4D41B069AA}"/>
+              </a:ext>
+            </a:extLst>
+          </p:cNvPr>
+          <p:cNvSpPr>
+            <a:spLocks noGrp="1"/>
+          </p:cNvSpPr>
+          <p:nvPr>
+            <p:ph idx="1"/>
+          </p:nvPr>
+        </p:nvSpPr>
+        <p:spPr/>
+        <p:txBody>
+          <a:bodyPr/>
+          <a:lstStyle/>
+          <a:p>
+            <a:endParaRPr lang="zh-CN" altLang="en-US" dirty="0"/>
+          </a:p>
+        </p:txBody>
+      </p:sp>
+    </p:spTree>
+    <p:extLst>
+      <p:ext uri="{BB962C8B-B14F-4D97-AF65-F5344CB8AC3E}">
+        <p14:creationId xmlns:p14="http://schemas.microsoft.com/office/powerpoint/2010/main" val="1338241868"/>
+      </p:ext>
+    </p:extLst>
+  </p:cSld>
+  <p:clrMapOvr>
+    <a:masterClrMapping/>
+  </p:clrMapOvr>
+</p:sld>
+</file>
+
+<file path=ppt/slides/slide16.xml><?xml version="1.0" encoding="utf-8"?>
 <p:sld xmlns:a="http://schemas.openxmlformats.org/drawingml/2006/main" xmlns:r="http://schemas.openxmlformats.org/officeDocument/2006/relationships" xmlns:p="http://schemas.openxmlformats.org/presentationml/2006/main">
   <p:cSld>
     <p:spTree>
@@ -23245,6 +23961,148 @@
           <p:cNvPr id="2" name="标题 1">
             <a:extLst>
               <a:ext uri="{FF2B5EF4-FFF2-40B4-BE49-F238E27FC236}">
+                <a16:creationId xmlns:a16="http://schemas.microsoft.com/office/drawing/2014/main" id="{906F2BAC-94EB-4A53-A24A-ECC4AA31D437}"/>
+              </a:ext>
+            </a:extLst>
+          </p:cNvPr>
+          <p:cNvSpPr>
+            <a:spLocks noGrp="1"/>
+          </p:cNvSpPr>
+          <p:nvPr>
+            <p:ph type="title"/>
+          </p:nvPr>
+        </p:nvSpPr>
+        <p:spPr/>
+        <p:txBody>
+          <a:bodyPr/>
+          <a:lstStyle/>
+          <a:p>
+            <a:r>
+              <a:rPr lang="en-US" altLang="zh-CN" cap="none" dirty="0">
+                <a:latin typeface="Consolas" panose="020B0609020204030204" pitchFamily="49" charset="0"/>
+              </a:rPr>
+              <a:t>Memory Port</a:t>
+            </a:r>
+            <a:endParaRPr lang="zh-CN" altLang="en-US" cap="none" dirty="0">
+              <a:latin typeface="Consolas" panose="020B0609020204030204" pitchFamily="49" charset="0"/>
+            </a:endParaRPr>
+          </a:p>
+        </p:txBody>
+      </p:sp>
+      <p:sp>
+        <p:nvSpPr>
+          <p:cNvPr id="3" name="内容占位符 2">
+            <a:extLst>
+              <a:ext uri="{FF2B5EF4-FFF2-40B4-BE49-F238E27FC236}">
+                <a16:creationId xmlns:a16="http://schemas.microsoft.com/office/drawing/2014/main" id="{E509F4A5-0995-40EA-A677-36111E261E6F}"/>
+              </a:ext>
+            </a:extLst>
+          </p:cNvPr>
+          <p:cNvSpPr>
+            <a:spLocks noGrp="1"/>
+          </p:cNvSpPr>
+          <p:nvPr>
+            <p:ph idx="1"/>
+          </p:nvPr>
+        </p:nvSpPr>
+        <p:spPr/>
+        <p:txBody>
+          <a:bodyPr/>
+          <a:lstStyle/>
+          <a:p>
+            <a:pPr>
+              <a:buFont typeface="Wingdings" panose="05000000000000000000" pitchFamily="2" charset="2"/>
+              <a:buChar char="l"/>
+            </a:pPr>
+            <a:r>
+              <a:rPr lang="en-US" altLang="zh-CN" dirty="0">
+                <a:latin typeface="Consolas" panose="020B0609020204030204" pitchFamily="49" charset="0"/>
+              </a:rPr>
+              <a:t> IF Pre-fetch</a:t>
+            </a:r>
+          </a:p>
+          <a:p>
+            <a:pPr>
+              <a:buFont typeface="Wingdings" panose="05000000000000000000" pitchFamily="2" charset="2"/>
+              <a:buChar char="l"/>
+            </a:pPr>
+            <a:r>
+              <a:rPr lang="en-US" altLang="zh-CN" dirty="0">
+                <a:latin typeface="Consolas" panose="020B0609020204030204" pitchFamily="49" charset="0"/>
+              </a:rPr>
+              <a:t> Write Buffer</a:t>
+            </a:r>
+            <a:endParaRPr lang="zh-CN" altLang="en-US" dirty="0">
+              <a:latin typeface="Consolas" panose="020B0609020204030204" pitchFamily="49" charset="0"/>
+            </a:endParaRPr>
+          </a:p>
+        </p:txBody>
+      </p:sp>
+      <p:pic>
+        <p:nvPicPr>
+          <p:cNvPr id="4" name="图片 3">
+            <a:extLst>
+              <a:ext uri="{FF2B5EF4-FFF2-40B4-BE49-F238E27FC236}">
+                <a16:creationId xmlns:a16="http://schemas.microsoft.com/office/drawing/2014/main" id="{C39E7D5B-0BEE-44C2-A3D9-CB7CA8C11ECA}"/>
+              </a:ext>
+            </a:extLst>
+          </p:cNvPr>
+          <p:cNvPicPr>
+            <a:picLocks noChangeAspect="1"/>
+          </p:cNvPicPr>
+          <p:nvPr/>
+        </p:nvPicPr>
+        <p:blipFill>
+          <a:blip r:embed="rId2"/>
+          <a:stretch>
+            <a:fillRect/>
+          </a:stretch>
+        </p:blipFill>
+        <p:spPr>
+          <a:xfrm>
+            <a:off x="938067" y="3967382"/>
+            <a:ext cx="9276190" cy="838095"/>
+          </a:xfrm>
+          <a:prstGeom prst="rect">
+            <a:avLst/>
+          </a:prstGeom>
+        </p:spPr>
+      </p:pic>
+    </p:spTree>
+    <p:extLst>
+      <p:ext uri="{BB962C8B-B14F-4D97-AF65-F5344CB8AC3E}">
+        <p14:creationId xmlns:p14="http://schemas.microsoft.com/office/powerpoint/2010/main" val="3939957318"/>
+      </p:ext>
+    </p:extLst>
+  </p:cSld>
+  <p:clrMapOvr>
+    <a:masterClrMapping/>
+  </p:clrMapOvr>
+</p:sld>
+</file>
+
+<file path=ppt/slides/slide6.xml><?xml version="1.0" encoding="utf-8"?>
+<p:sld xmlns:a="http://schemas.openxmlformats.org/drawingml/2006/main" xmlns:r="http://schemas.openxmlformats.org/officeDocument/2006/relationships" xmlns:p="http://schemas.openxmlformats.org/presentationml/2006/main">
+  <p:cSld>
+    <p:spTree>
+      <p:nvGrpSpPr>
+        <p:cNvPr id="1" name=""/>
+        <p:cNvGrpSpPr/>
+        <p:nvPr/>
+      </p:nvGrpSpPr>
+      <p:grpSpPr>
+        <a:xfrm>
+          <a:off x="0" y="0"/>
+          <a:ext cx="0" cy="0"/>
+          <a:chOff x="0" y="0"/>
+          <a:chExt cx="0" cy="0"/>
+        </a:xfrm>
+      </p:grpSpPr>
+      <p:sp>
+        <p:nvSpPr>
+          <p:cNvPr id="2" name="标题 1">
+            <a:extLst>
+              <a:ext uri="{FF2B5EF4-FFF2-40B4-BE49-F238E27FC236}">
                 <a16:creationId xmlns:a16="http://schemas.microsoft.com/office/drawing/2014/main" id="{488AE239-A7A8-4DBE-A9E9-C9702F2325D4}"/>
               </a:ext>
             </a:extLst>
@@ -23568,7 +24426,7 @@
 </p:sld>
 </file>
 
-<file path=ppt/slides/slide6.xml><?xml version="1.0" encoding="utf-8"?>
+<file path=ppt/slides/slide7.xml><?xml version="1.0" encoding="utf-8"?>
 <p:sld xmlns:a="http://schemas.openxmlformats.org/drawingml/2006/main" xmlns:r="http://schemas.openxmlformats.org/officeDocument/2006/relationships" xmlns:p="http://schemas.openxmlformats.org/presentationml/2006/main">
   <p:cSld>
     <p:spTree>
@@ -24002,7 +24860,7 @@
 </p:sld>
 </file>
 
-<file path=ppt/slides/slide7.xml><?xml version="1.0" encoding="utf-8"?>
+<file path=ppt/slides/slide8.xml><?xml version="1.0" encoding="utf-8"?>
 <p:sld xmlns:a="http://schemas.openxmlformats.org/drawingml/2006/main" xmlns:r="http://schemas.openxmlformats.org/officeDocument/2006/relationships" xmlns:p="http://schemas.openxmlformats.org/presentationml/2006/main">
   <p:cSld>
     <p:spTree>
@@ -24750,7 +25608,7 @@
 </p:sld>
 </file>
 
-<file path=ppt/slides/slide8.xml><?xml version="1.0" encoding="utf-8"?>
+<file path=ppt/slides/slide9.xml><?xml version="1.0" encoding="utf-8"?>
 <p:sld xmlns:a="http://schemas.openxmlformats.org/drawingml/2006/main" xmlns:r="http://schemas.openxmlformats.org/officeDocument/2006/relationships" xmlns:p="http://schemas.openxmlformats.org/presentationml/2006/main">
   <p:cSld>
     <p:spTree>
@@ -25515,608 +26373,6 @@
 </p:sld>
 </file>
 
-<file path=ppt/slides/slide9.xml><?xml version="1.0" encoding="utf-8"?>
-<p:sld xmlns:a="http://schemas.openxmlformats.org/drawingml/2006/main" xmlns:r="http://schemas.openxmlformats.org/officeDocument/2006/relationships" xmlns:p="http://schemas.openxmlformats.org/presentationml/2006/main">
-  <p:cSld>
-    <p:spTree>
-      <p:nvGrpSpPr>
-        <p:cNvPr id="1" name=""/>
-        <p:cNvGrpSpPr/>
-        <p:nvPr/>
-      </p:nvGrpSpPr>
-      <p:grpSpPr>
-        <a:xfrm>
-          <a:off x="0" y="0"/>
-          <a:ext cx="0" cy="0"/>
-          <a:chOff x="0" y="0"/>
-          <a:chExt cx="0" cy="0"/>
-        </a:xfrm>
-      </p:grpSpPr>
-      <p:sp>
-        <p:nvSpPr>
-          <p:cNvPr id="2" name="标题 1">
-            <a:extLst>
-              <a:ext uri="{FF2B5EF4-FFF2-40B4-BE49-F238E27FC236}">
-                <a16:creationId xmlns:a16="http://schemas.microsoft.com/office/drawing/2014/main" id="{077456EE-4597-4B5E-B787-D8C883722F6F}"/>
-              </a:ext>
-            </a:extLst>
-          </p:cNvPr>
-          <p:cNvSpPr>
-            <a:spLocks noGrp="1"/>
-          </p:cNvSpPr>
-          <p:nvPr>
-            <p:ph type="title"/>
-          </p:nvPr>
-        </p:nvSpPr>
-        <p:spPr/>
-        <p:txBody>
-          <a:bodyPr/>
-          <a:lstStyle/>
-          <a:p>
-            <a:r>
-              <a:rPr lang="en-US" altLang="zh-CN" cap="none" dirty="0">
-                <a:latin typeface="Consolas" panose="020B0609020204030204" pitchFamily="49" charset="0"/>
-              </a:rPr>
-              <a:t>Small</a:t>
-            </a:r>
-            <a:r>
-              <a:rPr lang="zh-CN" altLang="en-US" cap="none" dirty="0">
-                <a:latin typeface="Consolas" panose="020B0609020204030204" pitchFamily="49" charset="0"/>
-              </a:rPr>
-              <a:t> </a:t>
-            </a:r>
-            <a:r>
-              <a:rPr lang="en-US" altLang="zh-CN" cap="none" dirty="0">
-                <a:latin typeface="Consolas" panose="020B0609020204030204" pitchFamily="49" charset="0"/>
-              </a:rPr>
-              <a:t>cache</a:t>
-            </a:r>
-            <a:endParaRPr lang="zh-CN" altLang="en-US" cap="none" dirty="0">
-              <a:latin typeface="Consolas" panose="020B0609020204030204" pitchFamily="49" charset="0"/>
-            </a:endParaRPr>
-          </a:p>
-        </p:txBody>
-      </p:sp>
-      <p:sp>
-        <p:nvSpPr>
-          <p:cNvPr id="8" name="内容占位符 7">
-            <a:extLst>
-              <a:ext uri="{FF2B5EF4-FFF2-40B4-BE49-F238E27FC236}">
-                <a16:creationId xmlns:a16="http://schemas.microsoft.com/office/drawing/2014/main" id="{EF4C8676-D72E-4953-BF21-667892B494D0}"/>
-              </a:ext>
-            </a:extLst>
-          </p:cNvPr>
-          <p:cNvSpPr>
-            <a:spLocks noGrp="1"/>
-          </p:cNvSpPr>
-          <p:nvPr>
-            <p:ph idx="1"/>
-          </p:nvPr>
-        </p:nvSpPr>
-        <p:spPr>
-          <a:xfrm>
-            <a:off x="1024128" y="2819041"/>
-            <a:ext cx="2956201" cy="1499617"/>
-          </a:xfrm>
-          <a:ln>
-            <a:solidFill>
-              <a:schemeClr val="bg1"/>
-            </a:solidFill>
-          </a:ln>
-        </p:spPr>
-        <p:txBody>
-          <a:bodyPr>
-            <a:normAutofit/>
-          </a:bodyPr>
-          <a:lstStyle/>
-          <a:p>
-            <a:r>
-              <a:rPr lang="en-US" altLang="zh-CN" dirty="0">
-                <a:latin typeface="Consolas" panose="020B0609020204030204" pitchFamily="49" charset="0"/>
-              </a:rPr>
-              <a:t>Cache : </a:t>
-            </a:r>
-            <a:r>
-              <a:rPr lang="en-US" altLang="zh-CN" dirty="0">
-                <a:solidFill>
-                  <a:srgbClr val="00B0F0"/>
-                </a:solidFill>
-                <a:latin typeface="Consolas" panose="020B0609020204030204" pitchFamily="49" charset="0"/>
-              </a:rPr>
-              <a:t>4K</a:t>
-            </a:r>
-            <a:endParaRPr lang="en-US" altLang="zh-CN" dirty="0">
-              <a:latin typeface="Consolas" panose="020B0609020204030204" pitchFamily="49" charset="0"/>
-            </a:endParaRPr>
-          </a:p>
-          <a:p>
-            <a:r>
-              <a:rPr lang="en-US" altLang="zh-CN" dirty="0">
-                <a:latin typeface="Consolas" panose="020B0609020204030204" pitchFamily="49" charset="0"/>
-              </a:rPr>
-              <a:t>LUT : </a:t>
-            </a:r>
-            <a:r>
-              <a:rPr lang="en-US" altLang="zh-CN" dirty="0">
-                <a:solidFill>
-                  <a:srgbClr val="FFC000"/>
-                </a:solidFill>
-                <a:latin typeface="Consolas" panose="020B0609020204030204" pitchFamily="49" charset="0"/>
-              </a:rPr>
-              <a:t>89%</a:t>
-            </a:r>
-          </a:p>
-          <a:p>
-            <a:r>
-              <a:rPr lang="en-US" altLang="zh-CN" dirty="0">
-                <a:latin typeface="Consolas" panose="020B0609020204030204" pitchFamily="49" charset="0"/>
-              </a:rPr>
-              <a:t>WNS : </a:t>
-            </a:r>
-            <a:r>
-              <a:rPr lang="en-US" altLang="zh-CN" dirty="0">
-                <a:solidFill>
-                  <a:srgbClr val="FF0000"/>
-                </a:solidFill>
-                <a:latin typeface="Consolas" panose="020B0609020204030204" pitchFamily="49" charset="0"/>
-              </a:rPr>
-              <a:t>-0.9ns</a:t>
-            </a:r>
-          </a:p>
-        </p:txBody>
-      </p:sp>
-      <p:sp>
-        <p:nvSpPr>
-          <p:cNvPr id="11" name="内容占位符 7">
-            <a:extLst>
-              <a:ext uri="{FF2B5EF4-FFF2-40B4-BE49-F238E27FC236}">
-                <a16:creationId xmlns:a16="http://schemas.microsoft.com/office/drawing/2014/main" id="{49A56AE2-1C80-4463-919B-784A24849141}"/>
-              </a:ext>
-            </a:extLst>
-          </p:cNvPr>
-          <p:cNvSpPr txBox="1">
-            <a:spLocks/>
-          </p:cNvSpPr>
-          <p:nvPr/>
-        </p:nvSpPr>
-        <p:spPr>
-          <a:xfrm>
-            <a:off x="6630655" y="2819041"/>
-            <a:ext cx="3599867" cy="1817505"/>
-          </a:xfrm>
-          <a:prstGeom prst="rect">
-            <a:avLst/>
-          </a:prstGeom>
-          <a:ln>
-            <a:solidFill>
-              <a:schemeClr val="bg1"/>
-            </a:solidFill>
-          </a:ln>
-        </p:spPr>
-        <p:txBody>
-          <a:bodyPr vert="horz" lIns="45720" tIns="45720" rIns="45720" bIns="45720" rtlCol="0">
-            <a:normAutofit/>
-          </a:bodyPr>
-          <a:lstStyle>
-            <a:lvl1pPr marL="91440" indent="-91440" algn="l" defTabSz="914400" rtl="0" eaLnBrk="1" latinLnBrk="0" hangingPunct="1">
-              <a:lnSpc>
-                <a:spcPct val="90000"/>
-              </a:lnSpc>
-              <a:spcBef>
-                <a:spcPts val="1200"/>
-              </a:spcBef>
-              <a:spcAft>
-                <a:spcPts val="200"/>
-              </a:spcAft>
-              <a:buClr>
-                <a:schemeClr val="accent1"/>
-              </a:buClr>
-              <a:buSzPct val="100000"/>
-              <a:buFont typeface="Tw Cen MT" panose="020B0602020104020603" pitchFamily="34" charset="0"/>
-              <a:buChar char=" "/>
-              <a:defRPr sz="2200" kern="1200">
-                <a:solidFill>
-                  <a:schemeClr val="tx1"/>
-                </a:solidFill>
-                <a:latin typeface="+mn-lt"/>
-                <a:ea typeface="+mn-ea"/>
-                <a:cs typeface="+mn-cs"/>
-              </a:defRPr>
-            </a:lvl1pPr>
-            <a:lvl2pPr marL="265176" indent="-137160" algn="l" defTabSz="914400" rtl="0" eaLnBrk="1" latinLnBrk="0" hangingPunct="1">
-              <a:lnSpc>
-                <a:spcPct val="90000"/>
-              </a:lnSpc>
-              <a:spcBef>
-                <a:spcPts val="200"/>
-              </a:spcBef>
-              <a:spcAft>
-                <a:spcPts val="400"/>
-              </a:spcAft>
-              <a:buClr>
-                <a:schemeClr val="accent1"/>
-              </a:buClr>
-              <a:buFont typeface="Wingdings 3" pitchFamily="18" charset="2"/>
-              <a:buChar char=""/>
-              <a:defRPr sz="1800" kern="1200">
-                <a:solidFill>
-                  <a:schemeClr val="tx1"/>
-                </a:solidFill>
-                <a:latin typeface="+mn-lt"/>
-                <a:ea typeface="+mn-ea"/>
-                <a:cs typeface="+mn-cs"/>
-              </a:defRPr>
-            </a:lvl2pPr>
-            <a:lvl3pPr marL="448056" indent="-137160" algn="l" defTabSz="914400" rtl="0" eaLnBrk="1" latinLnBrk="0" hangingPunct="1">
-              <a:lnSpc>
-                <a:spcPct val="90000"/>
-              </a:lnSpc>
-              <a:spcBef>
-                <a:spcPts val="200"/>
-              </a:spcBef>
-              <a:spcAft>
-                <a:spcPts val="400"/>
-              </a:spcAft>
-              <a:buClr>
-                <a:schemeClr val="accent1"/>
-              </a:buClr>
-              <a:buFont typeface="Wingdings 3" pitchFamily="18" charset="2"/>
-              <a:buChar char=""/>
-              <a:defRPr sz="1400" kern="1200">
-                <a:solidFill>
-                  <a:schemeClr val="tx1"/>
-                </a:solidFill>
-                <a:latin typeface="+mn-lt"/>
-                <a:ea typeface="+mn-ea"/>
-                <a:cs typeface="+mn-cs"/>
-              </a:defRPr>
-            </a:lvl3pPr>
-            <a:lvl4pPr marL="594360" indent="-137160" algn="l" defTabSz="914400" rtl="0" eaLnBrk="1" latinLnBrk="0" hangingPunct="1">
-              <a:lnSpc>
-                <a:spcPct val="90000"/>
-              </a:lnSpc>
-              <a:spcBef>
-                <a:spcPts val="200"/>
-              </a:spcBef>
-              <a:spcAft>
-                <a:spcPts val="400"/>
-              </a:spcAft>
-              <a:buClr>
-                <a:schemeClr val="accent1"/>
-              </a:buClr>
-              <a:buFont typeface="Wingdings 3" pitchFamily="18" charset="2"/>
-              <a:buChar char=""/>
-              <a:defRPr sz="1400" kern="1200">
-                <a:solidFill>
-                  <a:schemeClr val="tx1"/>
-                </a:solidFill>
-                <a:latin typeface="+mn-lt"/>
-                <a:ea typeface="+mn-ea"/>
-                <a:cs typeface="+mn-cs"/>
-              </a:defRPr>
-            </a:lvl4pPr>
-            <a:lvl5pPr marL="777240" indent="-137160" algn="l" defTabSz="914400" rtl="0" eaLnBrk="1" latinLnBrk="0" hangingPunct="1">
-              <a:lnSpc>
-                <a:spcPct val="90000"/>
-              </a:lnSpc>
-              <a:spcBef>
-                <a:spcPts val="200"/>
-              </a:spcBef>
-              <a:spcAft>
-                <a:spcPts val="400"/>
-              </a:spcAft>
-              <a:buClr>
-                <a:schemeClr val="accent1"/>
-              </a:buClr>
-              <a:buFont typeface="Wingdings 3" pitchFamily="18" charset="2"/>
-              <a:buChar char=""/>
-              <a:defRPr sz="1400" kern="1200">
-                <a:solidFill>
-                  <a:schemeClr val="tx1"/>
-                </a:solidFill>
-                <a:latin typeface="+mn-lt"/>
-                <a:ea typeface="+mn-ea"/>
-                <a:cs typeface="+mn-cs"/>
-              </a:defRPr>
-            </a:lvl5pPr>
-            <a:lvl6pPr marL="914400" indent="-137160" algn="l" defTabSz="914400" rtl="0" eaLnBrk="1" latinLnBrk="0" hangingPunct="1">
-              <a:lnSpc>
-                <a:spcPct val="90000"/>
-              </a:lnSpc>
-              <a:spcBef>
-                <a:spcPts val="200"/>
-              </a:spcBef>
-              <a:spcAft>
-                <a:spcPts val="400"/>
-              </a:spcAft>
-              <a:buClr>
-                <a:schemeClr val="accent1"/>
-              </a:buClr>
-              <a:buFont typeface="Wingdings 3" pitchFamily="18" charset="2"/>
-              <a:buChar char=""/>
-              <a:defRPr sz="1400" kern="1200">
-                <a:solidFill>
-                  <a:schemeClr val="tx1"/>
-                </a:solidFill>
-                <a:latin typeface="+mn-lt"/>
-                <a:ea typeface="+mn-ea"/>
-                <a:cs typeface="+mn-cs"/>
-              </a:defRPr>
-            </a:lvl6pPr>
-            <a:lvl7pPr marL="1060704" indent="-137160" algn="l" defTabSz="914400" rtl="0" eaLnBrk="1" latinLnBrk="0" hangingPunct="1">
-              <a:lnSpc>
-                <a:spcPct val="90000"/>
-              </a:lnSpc>
-              <a:spcBef>
-                <a:spcPts val="200"/>
-              </a:spcBef>
-              <a:spcAft>
-                <a:spcPts val="400"/>
-              </a:spcAft>
-              <a:buClr>
-                <a:schemeClr val="accent1"/>
-              </a:buClr>
-              <a:buFont typeface="Wingdings 3" pitchFamily="18" charset="2"/>
-              <a:buChar char=""/>
-              <a:defRPr sz="1400" kern="1200">
-                <a:solidFill>
-                  <a:schemeClr val="tx1"/>
-                </a:solidFill>
-                <a:latin typeface="+mn-lt"/>
-                <a:ea typeface="+mn-ea"/>
-                <a:cs typeface="+mn-cs"/>
-              </a:defRPr>
-            </a:lvl7pPr>
-            <a:lvl8pPr marL="1216152" indent="-137160" algn="l" defTabSz="914400" rtl="0" eaLnBrk="1" latinLnBrk="0" hangingPunct="1">
-              <a:lnSpc>
-                <a:spcPct val="90000"/>
-              </a:lnSpc>
-              <a:spcBef>
-                <a:spcPts val="200"/>
-              </a:spcBef>
-              <a:spcAft>
-                <a:spcPts val="400"/>
-              </a:spcAft>
-              <a:buClr>
-                <a:schemeClr val="accent1"/>
-              </a:buClr>
-              <a:buFont typeface="Wingdings 3" pitchFamily="18" charset="2"/>
-              <a:buChar char=""/>
-              <a:defRPr sz="1400" kern="1200">
-                <a:solidFill>
-                  <a:schemeClr val="tx1"/>
-                </a:solidFill>
-                <a:latin typeface="+mn-lt"/>
-                <a:ea typeface="+mn-ea"/>
-                <a:cs typeface="+mn-cs"/>
-              </a:defRPr>
-            </a:lvl8pPr>
-            <a:lvl9pPr marL="1362456" indent="-137160" algn="l" defTabSz="914400" rtl="0" eaLnBrk="1" latinLnBrk="0" hangingPunct="1">
-              <a:lnSpc>
-                <a:spcPct val="90000"/>
-              </a:lnSpc>
-              <a:spcBef>
-                <a:spcPts val="200"/>
-              </a:spcBef>
-              <a:spcAft>
-                <a:spcPts val="400"/>
-              </a:spcAft>
-              <a:buClr>
-                <a:schemeClr val="accent1"/>
-              </a:buClr>
-              <a:buFont typeface="Wingdings 3" pitchFamily="18" charset="2"/>
-              <a:buChar char=""/>
-              <a:defRPr sz="1400" kern="1200">
-                <a:solidFill>
-                  <a:schemeClr val="tx1"/>
-                </a:solidFill>
-                <a:latin typeface="+mn-lt"/>
-                <a:ea typeface="+mn-ea"/>
-                <a:cs typeface="+mn-cs"/>
-              </a:defRPr>
-            </a:lvl9pPr>
-          </a:lstStyle>
-          <a:p>
-            <a:r>
-              <a:rPr lang="en-US" altLang="zh-CN" dirty="0">
-                <a:latin typeface="Consolas" panose="020B0609020204030204" pitchFamily="49" charset="0"/>
-              </a:rPr>
-              <a:t>Cache : </a:t>
-            </a:r>
-            <a:r>
-              <a:rPr lang="en-US" altLang="zh-CN" dirty="0">
-                <a:solidFill>
-                  <a:srgbClr val="00B0F0"/>
-                </a:solidFill>
-                <a:latin typeface="Consolas" panose="020B0609020204030204" pitchFamily="49" charset="0"/>
-              </a:rPr>
-              <a:t>512B</a:t>
-            </a:r>
-            <a:endParaRPr lang="en-US" altLang="zh-CN" dirty="0">
-              <a:latin typeface="Consolas" panose="020B0609020204030204" pitchFamily="49" charset="0"/>
-            </a:endParaRPr>
-          </a:p>
-          <a:p>
-            <a:r>
-              <a:rPr lang="en-US" altLang="zh-CN" dirty="0">
-                <a:latin typeface="Consolas" panose="020B0609020204030204" pitchFamily="49" charset="0"/>
-              </a:rPr>
-              <a:t>LUT : </a:t>
-            </a:r>
-            <a:r>
-              <a:rPr lang="en-US" altLang="zh-CN" dirty="0">
-                <a:solidFill>
-                  <a:srgbClr val="FFC000"/>
-                </a:solidFill>
-                <a:latin typeface="Consolas" panose="020B0609020204030204" pitchFamily="49" charset="0"/>
-              </a:rPr>
-              <a:t>34%</a:t>
-            </a:r>
-          </a:p>
-          <a:p>
-            <a:r>
-              <a:rPr lang="en-US" altLang="zh-CN" dirty="0">
-                <a:latin typeface="Consolas" panose="020B0609020204030204" pitchFamily="49" charset="0"/>
-              </a:rPr>
-              <a:t>WNS : </a:t>
-            </a:r>
-            <a:r>
-              <a:rPr lang="en-US" altLang="zh-CN" dirty="0">
-                <a:solidFill>
-                  <a:srgbClr val="FF0000"/>
-                </a:solidFill>
-                <a:latin typeface="Consolas" panose="020B0609020204030204" pitchFamily="49" charset="0"/>
-              </a:rPr>
-              <a:t>-0.2ns</a:t>
-            </a:r>
-          </a:p>
-        </p:txBody>
-      </p:sp>
-      <p:sp>
-        <p:nvSpPr>
-          <p:cNvPr id="12" name="箭头: 右 11">
-            <a:extLst>
-              <a:ext uri="{FF2B5EF4-FFF2-40B4-BE49-F238E27FC236}">
-                <a16:creationId xmlns:a16="http://schemas.microsoft.com/office/drawing/2014/main" id="{4B57977C-7FEC-4A20-A9F4-8ABE50BC9E50}"/>
-              </a:ext>
-            </a:extLst>
-          </p:cNvPr>
-          <p:cNvSpPr/>
-          <p:nvPr/>
-        </p:nvSpPr>
-        <p:spPr>
-          <a:xfrm>
-            <a:off x="4381679" y="3030967"/>
-            <a:ext cx="1502485" cy="796066"/>
-          </a:xfrm>
-          <a:prstGeom prst="rightArrow">
-            <a:avLst/>
-          </a:prstGeom>
-        </p:spPr>
-        <p:style>
-          <a:lnRef idx="2">
-            <a:schemeClr val="accent1">
-              <a:shade val="50000"/>
-            </a:schemeClr>
-          </a:lnRef>
-          <a:fillRef idx="1">
-            <a:schemeClr val="accent1"/>
-          </a:fillRef>
-          <a:effectRef idx="0">
-            <a:schemeClr val="accent1"/>
-          </a:effectRef>
-          <a:fontRef idx="minor">
-            <a:schemeClr val="lt1"/>
-          </a:fontRef>
-        </p:style>
-        <p:txBody>
-          <a:bodyPr rtlCol="0" anchor="ctr"/>
-          <a:lstStyle/>
-          <a:p>
-            <a:pPr algn="ctr"/>
-            <a:endParaRPr lang="zh-CN" altLang="en-US"/>
-          </a:p>
-        </p:txBody>
-      </p:sp>
-    </p:spTree>
-    <p:extLst>
-      <p:ext uri="{BB962C8B-B14F-4D97-AF65-F5344CB8AC3E}">
-        <p14:creationId xmlns:p14="http://schemas.microsoft.com/office/powerpoint/2010/main" val="1876533091"/>
-      </p:ext>
-    </p:extLst>
-  </p:cSld>
-  <p:clrMapOvr>
-    <a:masterClrMapping/>
-  </p:clrMapOvr>
-  <p:timing>
-    <p:tnLst>
-      <p:par>
-        <p:cTn id="1" dur="indefinite" restart="never" nodeType="tmRoot">
-          <p:childTnLst>
-            <p:seq concurrent="1" nextAc="seek">
-              <p:cTn id="2" dur="indefinite" nodeType="mainSeq">
-                <p:childTnLst>
-                  <p:par>
-                    <p:cTn id="3" fill="hold">
-                      <p:stCondLst>
-                        <p:cond delay="indefinite"/>
-                      </p:stCondLst>
-                      <p:childTnLst>
-                        <p:par>
-                          <p:cTn id="4" fill="hold">
-                            <p:stCondLst>
-                              <p:cond delay="0"/>
-                            </p:stCondLst>
-                            <p:childTnLst>
-                              <p:par>
-                                <p:cTn id="5" presetID="10" presetClass="entr" presetSubtype="0" fill="hold" grpId="0" nodeType="clickEffect">
-                                  <p:stCondLst>
-                                    <p:cond delay="0"/>
-                                  </p:stCondLst>
-                                  <p:childTnLst>
-                                    <p:set>
-                                      <p:cBhvr>
-                                        <p:cTn id="6" dur="1" fill="hold">
-                                          <p:stCondLst>
-                                            <p:cond delay="0"/>
-                                          </p:stCondLst>
-                                        </p:cTn>
-                                        <p:tgtEl>
-                                          <p:spTgt spid="11"/>
-                                        </p:tgtEl>
-                                        <p:attrNameLst>
-                                          <p:attrName>style.visibility</p:attrName>
-                                        </p:attrNameLst>
-                                      </p:cBhvr>
-                                      <p:to>
-                                        <p:strVal val="visible"/>
-                                      </p:to>
-                                    </p:set>
-                                    <p:animEffect transition="in" filter="fade">
-                                      <p:cBhvr>
-                                        <p:cTn id="7" dur="500"/>
-                                        <p:tgtEl>
-                                          <p:spTgt spid="11"/>
-                                        </p:tgtEl>
-                                      </p:cBhvr>
-                                    </p:animEffect>
-                                  </p:childTnLst>
-                                </p:cTn>
-                              </p:par>
-                            </p:childTnLst>
-                          </p:cTn>
-                        </p:par>
-                      </p:childTnLst>
-                    </p:cTn>
-                  </p:par>
-                </p:childTnLst>
-              </p:cTn>
-              <p:prevCondLst>
-                <p:cond evt="onPrev" delay="0">
-                  <p:tgtEl>
-                    <p:sldTgt/>
-                  </p:tgtEl>
-                </p:cond>
-              </p:prevCondLst>
-              <p:nextCondLst>
-                <p:cond evt="onNext" delay="0">
-                  <p:tgtEl>
-                    <p:sldTgt/>
-                  </p:tgtEl>
-                </p:cond>
-              </p:nextCondLst>
-            </p:seq>
-          </p:childTnLst>
-        </p:cTn>
-      </p:par>
-    </p:tnLst>
-    <p:bldLst>
-      <p:bldP spid="11" grpId="0" animBg="1"/>
-    </p:bldLst>
-  </p:timing>
-</p:sld>
-</file>
-
 <file path=ppt/theme/theme1.xml><?xml version="1.0" encoding="utf-8"?>
 <a:theme xmlns:a="http://schemas.openxmlformats.org/drawingml/2006/main" name="积分">
   <a:themeElements>
